--- a/domaindrivendesign/domainDrivenDesign4.pptx
+++ b/domaindrivendesign/domainDrivenDesign4.pptx
@@ -243,7 +243,7 @@
           <a:p>
             <a:fld id="{CFB68537-6594-4A7A-B668-45554B77BAFC}" type="datetimeFigureOut">
               <a:rPr lang="de-DE" smtClean="0"/>
-              <a:t>25.02.2017</a:t>
+              <a:t>21.08.2017</a:t>
             </a:fld>
             <a:endParaRPr lang="de-DE"/>
           </a:p>
@@ -413,7 +413,7 @@
           <a:p>
             <a:fld id="{CFB68537-6594-4A7A-B668-45554B77BAFC}" type="datetimeFigureOut">
               <a:rPr lang="de-DE" smtClean="0"/>
-              <a:t>25.02.2017</a:t>
+              <a:t>21.08.2017</a:t>
             </a:fld>
             <a:endParaRPr lang="de-DE"/>
           </a:p>
@@ -593,7 +593,7 @@
           <a:p>
             <a:fld id="{CFB68537-6594-4A7A-B668-45554B77BAFC}" type="datetimeFigureOut">
               <a:rPr lang="de-DE" smtClean="0"/>
-              <a:t>25.02.2017</a:t>
+              <a:t>21.08.2017</a:t>
             </a:fld>
             <a:endParaRPr lang="de-DE"/>
           </a:p>
@@ -763,7 +763,7 @@
           <a:p>
             <a:fld id="{CFB68537-6594-4A7A-B668-45554B77BAFC}" type="datetimeFigureOut">
               <a:rPr lang="de-DE" smtClean="0"/>
-              <a:t>25.02.2017</a:t>
+              <a:t>21.08.2017</a:t>
             </a:fld>
             <a:endParaRPr lang="de-DE"/>
           </a:p>
@@ -1009,7 +1009,7 @@
           <a:p>
             <a:fld id="{CFB68537-6594-4A7A-B668-45554B77BAFC}" type="datetimeFigureOut">
               <a:rPr lang="de-DE" smtClean="0"/>
-              <a:t>25.02.2017</a:t>
+              <a:t>21.08.2017</a:t>
             </a:fld>
             <a:endParaRPr lang="de-DE"/>
           </a:p>
@@ -1241,7 +1241,7 @@
           <a:p>
             <a:fld id="{CFB68537-6594-4A7A-B668-45554B77BAFC}" type="datetimeFigureOut">
               <a:rPr lang="de-DE" smtClean="0"/>
-              <a:t>25.02.2017</a:t>
+              <a:t>21.08.2017</a:t>
             </a:fld>
             <a:endParaRPr lang="de-DE"/>
           </a:p>
@@ -1608,7 +1608,7 @@
           <a:p>
             <a:fld id="{CFB68537-6594-4A7A-B668-45554B77BAFC}" type="datetimeFigureOut">
               <a:rPr lang="de-DE" smtClean="0"/>
-              <a:t>25.02.2017</a:t>
+              <a:t>21.08.2017</a:t>
             </a:fld>
             <a:endParaRPr lang="de-DE"/>
           </a:p>
@@ -1726,7 +1726,7 @@
           <a:p>
             <a:fld id="{CFB68537-6594-4A7A-B668-45554B77BAFC}" type="datetimeFigureOut">
               <a:rPr lang="de-DE" smtClean="0"/>
-              <a:t>25.02.2017</a:t>
+              <a:t>21.08.2017</a:t>
             </a:fld>
             <a:endParaRPr lang="de-DE"/>
           </a:p>
@@ -1821,7 +1821,7 @@
           <a:p>
             <a:fld id="{CFB68537-6594-4A7A-B668-45554B77BAFC}" type="datetimeFigureOut">
               <a:rPr lang="de-DE" smtClean="0"/>
-              <a:t>25.02.2017</a:t>
+              <a:t>21.08.2017</a:t>
             </a:fld>
             <a:endParaRPr lang="de-DE"/>
           </a:p>
@@ -2098,7 +2098,7 @@
           <a:p>
             <a:fld id="{CFB68537-6594-4A7A-B668-45554B77BAFC}" type="datetimeFigureOut">
               <a:rPr lang="de-DE" smtClean="0"/>
-              <a:t>25.02.2017</a:t>
+              <a:t>21.08.2017</a:t>
             </a:fld>
             <a:endParaRPr lang="de-DE"/>
           </a:p>
@@ -2351,7 +2351,7 @@
           <a:p>
             <a:fld id="{CFB68537-6594-4A7A-B668-45554B77BAFC}" type="datetimeFigureOut">
               <a:rPr lang="de-DE" smtClean="0"/>
-              <a:t>25.02.2017</a:t>
+              <a:t>21.08.2017</a:t>
             </a:fld>
             <a:endParaRPr lang="de-DE"/>
           </a:p>
@@ -2564,7 +2564,7 @@
           <a:p>
             <a:fld id="{CFB68537-6594-4A7A-B668-45554B77BAFC}" type="datetimeFigureOut">
               <a:rPr lang="de-DE" smtClean="0"/>
-              <a:t>25.02.2017</a:t>
+              <a:t>21.08.2017</a:t>
             </a:fld>
             <a:endParaRPr lang="de-DE"/>
           </a:p>
@@ -3169,8 +3169,8 @@
         </p:nvSpPr>
         <p:spPr>
           <a:xfrm>
-            <a:off x="5437785" y="3784878"/>
-            <a:ext cx="926027" cy="369332"/>
+            <a:off x="5377728" y="3784878"/>
+            <a:ext cx="1046142" cy="369332"/>
           </a:xfrm>
           <a:prstGeom prst="rect">
             <a:avLst/>
@@ -3185,7 +3185,7 @@
           <a:p>
             <a:r>
               <a:rPr lang="de-DE" dirty="0" smtClean="0"/>
-              <a:t>3D-Pint</a:t>
+              <a:t>3D-Point</a:t>
             </a:r>
             <a:endParaRPr lang="de-DE" dirty="0"/>
           </a:p>
